--- a/inst/extdata/template_fullslide_narrow.pptx
+++ b/inst/extdata/template_fullslide_narrow.pptx
@@ -203,7 +203,7 @@
           <a:p>
             <a:fld id="{E6375376-077A-8F42-9E71-155E70FB596E}" type="datetimeFigureOut">
               <a:rPr lang="en-US" smtClean="0"/>
-              <a:t>5/26/23</a:t>
+              <a:t>2/26/25</a:t>
             </a:fld>
             <a:endParaRPr lang="en-US"/>
           </a:p>
@@ -1153,7 +1153,7 @@
           <a:p>
             <a:fld id="{184C34C6-D93D-964F-98F1-8B05274CB5BF}" type="datetimeFigureOut">
               <a:rPr lang="en-US" smtClean="0"/>
-              <a:t>5/26/23</a:t>
+              <a:t>2/26/25</a:t>
             </a:fld>
             <a:endParaRPr lang="en-US"/>
           </a:p>
@@ -1374,7 +1374,7 @@
           <a:p>
             <a:fld id="{184C34C6-D93D-964F-98F1-8B05274CB5BF}" type="datetimeFigureOut">
               <a:rPr lang="en-US" smtClean="0"/>
-              <a:t>5/26/23</a:t>
+              <a:t>2/26/25</a:t>
             </a:fld>
             <a:endParaRPr lang="en-US" dirty="0"/>
           </a:p>
@@ -1698,7 +1698,7 @@
           <a:p>
             <a:fld id="{184C34C6-D93D-964F-98F1-8B05274CB5BF}" type="datetimeFigureOut">
               <a:rPr lang="en-US" smtClean="0"/>
-              <a:t>5/26/23</a:t>
+              <a:t>2/26/25</a:t>
             </a:fld>
             <a:endParaRPr lang="en-US" dirty="0"/>
           </a:p>
@@ -2215,7 +2215,7 @@
           <a:p>
             <a:fld id="{184C34C6-D93D-964F-98F1-8B05274CB5BF}" type="datetimeFigureOut">
               <a:rPr lang="en-US" smtClean="0"/>
-              <a:t>5/26/23</a:t>
+              <a:t>2/26/25</a:t>
             </a:fld>
             <a:endParaRPr lang="en-US" dirty="0"/>
           </a:p>
@@ -2554,6 +2554,111 @@
       </p:sp>
       <p:sp>
         <p:nvSpPr>
+          <p:cNvPr id="3" name="Content Placeholder 3">
+            <a:extLst>
+              <a:ext uri="{FF2B5EF4-FFF2-40B4-BE49-F238E27FC236}">
+                <a16:creationId xmlns:a16="http://schemas.microsoft.com/office/drawing/2014/main" id="{308335A6-FEDB-3236-69EC-4D55F9E69E71}"/>
+              </a:ext>
+            </a:extLst>
+          </p:cNvPr>
+          <p:cNvSpPr>
+            <a:spLocks noGrp="1"/>
+          </p:cNvSpPr>
+          <p:nvPr>
+            <p:ph sz="quarter" idx="13"/>
+          </p:nvPr>
+        </p:nvSpPr>
+        <p:spPr>
+          <a:xfrm>
+            <a:off x="1892948" y="1517569"/>
+            <a:ext cx="8406104" cy="5068887"/>
+          </a:xfrm>
+        </p:spPr>
+        <p:txBody>
+          <a:bodyPr/>
+          <a:lstStyle/>
+          <a:p>
+            <a:pPr lvl="0"/>
+            <a:r>
+              <a:rPr lang="en-GB"/>
+              <a:t>Click to edit Master text styles</a:t>
+            </a:r>
+          </a:p>
+          <a:p>
+            <a:pPr lvl="1"/>
+            <a:r>
+              <a:rPr lang="en-GB"/>
+              <a:t>Second level</a:t>
+            </a:r>
+          </a:p>
+          <a:p>
+            <a:pPr lvl="2"/>
+            <a:r>
+              <a:rPr lang="en-GB"/>
+              <a:t>Third level</a:t>
+            </a:r>
+          </a:p>
+          <a:p>
+            <a:pPr lvl="3"/>
+            <a:r>
+              <a:rPr lang="en-GB"/>
+              <a:t>Fourth level</a:t>
+            </a:r>
+          </a:p>
+          <a:p>
+            <a:pPr lvl="4"/>
+            <a:r>
+              <a:rPr lang="en-GB"/>
+              <a:t>Fifth level</a:t>
+            </a:r>
+            <a:endParaRPr lang="en-AU"/>
+          </a:p>
+        </p:txBody>
+      </p:sp>
+      <p:sp>
+        <p:nvSpPr>
+          <p:cNvPr id="48" name="Caption Placeholder 1">
+            <a:extLst>
+              <a:ext uri="{FF2B5EF4-FFF2-40B4-BE49-F238E27FC236}">
+                <a16:creationId xmlns:a16="http://schemas.microsoft.com/office/drawing/2014/main" id="{69F7CE92-E1D5-B5FE-FFCF-4017AEF4DBAA}"/>
+              </a:ext>
+            </a:extLst>
+          </p:cNvPr>
+          <p:cNvSpPr>
+            <a:spLocks noGrp="1"/>
+          </p:cNvSpPr>
+          <p:nvPr>
+            <p:ph type="body" sz="quarter" idx="11" hasCustomPrompt="1"/>
+          </p:nvPr>
+        </p:nvSpPr>
+        <p:spPr>
+          <a:xfrm>
+            <a:off x="371475" y="6609900"/>
+            <a:ext cx="10662320" cy="204762"/>
+          </a:xfrm>
+        </p:spPr>
+        <p:txBody>
+          <a:bodyPr>
+            <a:normAutofit/>
+          </a:bodyPr>
+          <a:lstStyle>
+            <a:lvl1pPr marL="0" indent="0">
+              <a:buNone/>
+              <a:defRPr sz="800"/>
+            </a:lvl1pPr>
+          </a:lstStyle>
+          <a:p>
+            <a:pPr lvl="0"/>
+            <a:r>
+              <a:rPr lang="en-GB" dirty="0"/>
+              <a:t>Insert source and notes here</a:t>
+            </a:r>
+            <a:endParaRPr lang="en-AU" dirty="0"/>
+          </a:p>
+        </p:txBody>
+      </p:sp>
+      <p:sp>
+        <p:nvSpPr>
           <p:cNvPr id="46" name="Content Placeholder 2">
             <a:extLst>
               <a:ext uri="{FF2B5EF4-FFF2-40B4-BE49-F238E27FC236}">
@@ -2591,111 +2696,6 @@
               <a:t>Insert unit title</a:t>
             </a:r>
             <a:endParaRPr lang="en-AU" dirty="0"/>
-          </a:p>
-        </p:txBody>
-      </p:sp>
-      <p:sp>
-        <p:nvSpPr>
-          <p:cNvPr id="48" name="Caption Placeholder 1">
-            <a:extLst>
-              <a:ext uri="{FF2B5EF4-FFF2-40B4-BE49-F238E27FC236}">
-                <a16:creationId xmlns:a16="http://schemas.microsoft.com/office/drawing/2014/main" id="{69F7CE92-E1D5-B5FE-FFCF-4017AEF4DBAA}"/>
-              </a:ext>
-            </a:extLst>
-          </p:cNvPr>
-          <p:cNvSpPr>
-            <a:spLocks noGrp="1"/>
-          </p:cNvSpPr>
-          <p:nvPr>
-            <p:ph type="body" sz="quarter" idx="11" hasCustomPrompt="1"/>
-          </p:nvPr>
-        </p:nvSpPr>
-        <p:spPr>
-          <a:xfrm>
-            <a:off x="371475" y="6609900"/>
-            <a:ext cx="10662320" cy="204762"/>
-          </a:xfrm>
-        </p:spPr>
-        <p:txBody>
-          <a:bodyPr>
-            <a:noAutofit/>
-          </a:bodyPr>
-          <a:lstStyle>
-            <a:lvl1pPr marL="0" indent="0">
-              <a:buNone/>
-              <a:defRPr sz="800"/>
-            </a:lvl1pPr>
-          </a:lstStyle>
-          <a:p>
-            <a:pPr lvl="0"/>
-            <a:r>
-              <a:rPr lang="en-GB" dirty="0"/>
-              <a:t>Insert source and notes here</a:t>
-            </a:r>
-            <a:endParaRPr lang="en-AU" dirty="0"/>
-          </a:p>
-        </p:txBody>
-      </p:sp>
-      <p:sp>
-        <p:nvSpPr>
-          <p:cNvPr id="3" name="Content Placeholder 3">
-            <a:extLst>
-              <a:ext uri="{FF2B5EF4-FFF2-40B4-BE49-F238E27FC236}">
-                <a16:creationId xmlns:a16="http://schemas.microsoft.com/office/drawing/2014/main" id="{308335A6-FEDB-3236-69EC-4D55F9E69E71}"/>
-              </a:ext>
-            </a:extLst>
-          </p:cNvPr>
-          <p:cNvSpPr>
-            <a:spLocks noGrp="1"/>
-          </p:cNvSpPr>
-          <p:nvPr>
-            <p:ph sz="quarter" idx="13"/>
-          </p:nvPr>
-        </p:nvSpPr>
-        <p:spPr>
-          <a:xfrm>
-            <a:off x="1892948" y="1517569"/>
-            <a:ext cx="8406104" cy="5068887"/>
-          </a:xfrm>
-        </p:spPr>
-        <p:txBody>
-          <a:bodyPr/>
-          <a:lstStyle/>
-          <a:p>
-            <a:pPr lvl="0"/>
-            <a:r>
-              <a:rPr lang="en-GB"/>
-              <a:t>Click to edit Master text styles</a:t>
-            </a:r>
-          </a:p>
-          <a:p>
-            <a:pPr lvl="1"/>
-            <a:r>
-              <a:rPr lang="en-GB"/>
-              <a:t>Second level</a:t>
-            </a:r>
-          </a:p>
-          <a:p>
-            <a:pPr lvl="2"/>
-            <a:r>
-              <a:rPr lang="en-GB"/>
-              <a:t>Third level</a:t>
-            </a:r>
-          </a:p>
-          <a:p>
-            <a:pPr lvl="3"/>
-            <a:r>
-              <a:rPr lang="en-GB"/>
-              <a:t>Fourth level</a:t>
-            </a:r>
-          </a:p>
-          <a:p>
-            <a:pPr lvl="4"/>
-            <a:r>
-              <a:rPr lang="en-GB"/>
-              <a:t>Fifth level</a:t>
-            </a:r>
-            <a:endParaRPr lang="en-AU"/>
           </a:p>
         </p:txBody>
       </p:sp>
@@ -2900,7 +2900,7 @@
           <a:p>
             <a:fld id="{184C34C6-D93D-964F-98F1-8B05274CB5BF}" type="datetimeFigureOut">
               <a:rPr lang="en-AU" noProof="0" smtClean="0"/>
-              <a:t>26/5/2023</a:t>
+              <a:t>26/2/2025</a:t>
             </a:fld>
             <a:endParaRPr lang="en-AU" noProof="0"/>
           </a:p>

--- a/inst/extdata/template_fullslide_narrow.pptx
+++ b/inst/extdata/template_fullslide_narrow.pptx
@@ -203,7 +203,7 @@
           <a:p>
             <a:fld id="{E6375376-077A-8F42-9E71-155E70FB596E}" type="datetimeFigureOut">
               <a:rPr lang="en-US" smtClean="0"/>
-              <a:t>2/26/25</a:t>
+              <a:t>2/28/25</a:t>
             </a:fld>
             <a:endParaRPr lang="en-US"/>
           </a:p>
@@ -1153,7 +1153,7 @@
           <a:p>
             <a:fld id="{184C34C6-D93D-964F-98F1-8B05274CB5BF}" type="datetimeFigureOut">
               <a:rPr lang="en-US" smtClean="0"/>
-              <a:t>2/26/25</a:t>
+              <a:t>2/28/25</a:t>
             </a:fld>
             <a:endParaRPr lang="en-US"/>
           </a:p>
@@ -1374,7 +1374,7 @@
           <a:p>
             <a:fld id="{184C34C6-D93D-964F-98F1-8B05274CB5BF}" type="datetimeFigureOut">
               <a:rPr lang="en-US" smtClean="0"/>
-              <a:t>2/26/25</a:t>
+              <a:t>2/28/25</a:t>
             </a:fld>
             <a:endParaRPr lang="en-US" dirty="0"/>
           </a:p>
@@ -1698,7 +1698,7 @@
           <a:p>
             <a:fld id="{184C34C6-D93D-964F-98F1-8B05274CB5BF}" type="datetimeFigureOut">
               <a:rPr lang="en-US" smtClean="0"/>
-              <a:t>2/26/25</a:t>
+              <a:t>2/28/25</a:t>
             </a:fld>
             <a:endParaRPr lang="en-US" dirty="0"/>
           </a:p>
@@ -2215,7 +2215,7 @@
           <a:p>
             <a:fld id="{184C34C6-D93D-964F-98F1-8B05274CB5BF}" type="datetimeFigureOut">
               <a:rPr lang="en-US" smtClean="0"/>
-              <a:t>2/26/25</a:t>
+              <a:t>2/28/25</a:t>
             </a:fld>
             <a:endParaRPr lang="en-US" dirty="0"/>
           </a:p>
@@ -2643,6 +2643,12 @@
           </a:bodyPr>
           <a:lstStyle>
             <a:lvl1pPr marL="0" indent="0">
+              <a:lnSpc>
+                <a:spcPct val="100000"/>
+              </a:lnSpc>
+              <a:spcBef>
+                <a:spcPts val="0"/>
+              </a:spcBef>
               <a:buNone/>
               <a:defRPr sz="800"/>
             </a:lvl1pPr>
@@ -2900,7 +2906,7 @@
           <a:p>
             <a:fld id="{184C34C6-D93D-964F-98F1-8B05274CB5BF}" type="datetimeFigureOut">
               <a:rPr lang="en-AU" noProof="0" smtClean="0"/>
-              <a:t>26/2/2025</a:t>
+              <a:t>28/2/2025</a:t>
             </a:fld>
             <a:endParaRPr lang="en-AU" noProof="0"/>
           </a:p>

--- a/inst/extdata/template_fullslide_narrow.pptx
+++ b/inst/extdata/template_fullslide_narrow.pptx
@@ -203,7 +203,7 @@
           <a:p>
             <a:fld id="{E6375376-077A-8F42-9E71-155E70FB596E}" type="datetimeFigureOut">
               <a:rPr lang="en-US" smtClean="0"/>
-              <a:t>2/28/25</a:t>
+              <a:t>3/3/25</a:t>
             </a:fld>
             <a:endParaRPr lang="en-US"/>
           </a:p>
@@ -1153,7 +1153,7 @@
           <a:p>
             <a:fld id="{184C34C6-D93D-964F-98F1-8B05274CB5BF}" type="datetimeFigureOut">
               <a:rPr lang="en-US" smtClean="0"/>
-              <a:t>2/28/25</a:t>
+              <a:t>3/3/25</a:t>
             </a:fld>
             <a:endParaRPr lang="en-US"/>
           </a:p>
@@ -1374,7 +1374,7 @@
           <a:p>
             <a:fld id="{184C34C6-D93D-964F-98F1-8B05274CB5BF}" type="datetimeFigureOut">
               <a:rPr lang="en-US" smtClean="0"/>
-              <a:t>2/28/25</a:t>
+              <a:t>3/3/25</a:t>
             </a:fld>
             <a:endParaRPr lang="en-US" dirty="0"/>
           </a:p>
@@ -1698,7 +1698,7 @@
           <a:p>
             <a:fld id="{184C34C6-D93D-964F-98F1-8B05274CB5BF}" type="datetimeFigureOut">
               <a:rPr lang="en-US" smtClean="0"/>
-              <a:t>2/28/25</a:t>
+              <a:t>3/3/25</a:t>
             </a:fld>
             <a:endParaRPr lang="en-US" dirty="0"/>
           </a:p>
@@ -2215,7 +2215,7 @@
           <a:p>
             <a:fld id="{184C34C6-D93D-964F-98F1-8B05274CB5BF}" type="datetimeFigureOut">
               <a:rPr lang="en-US" smtClean="0"/>
-              <a:t>2/28/25</a:t>
+              <a:t>3/3/25</a:t>
             </a:fld>
             <a:endParaRPr lang="en-US" dirty="0"/>
           </a:p>
@@ -2638,8 +2638,8 @@
           </a:xfrm>
         </p:spPr>
         <p:txBody>
-          <a:bodyPr>
-            <a:normAutofit/>
+          <a:bodyPr anchor="b" anchorCtr="0">
+            <a:noAutofit/>
           </a:bodyPr>
           <a:lstStyle>
             <a:lvl1pPr marL="0" indent="0">
@@ -2906,7 +2906,7 @@
           <a:p>
             <a:fld id="{184C34C6-D93D-964F-98F1-8B05274CB5BF}" type="datetimeFigureOut">
               <a:rPr lang="en-AU" noProof="0" smtClean="0"/>
-              <a:t>28/2/2025</a:t>
+              <a:t>3/3/2025</a:t>
             </a:fld>
             <a:endParaRPr lang="en-AU" noProof="0"/>
           </a:p>

--- a/inst/extdata/template_fullslide_narrow.pptx
+++ b/inst/extdata/template_fullslide_narrow.pptx
@@ -203,7 +203,7 @@
           <a:p>
             <a:fld id="{E6375376-077A-8F42-9E71-155E70FB596E}" type="datetimeFigureOut">
               <a:rPr lang="en-US" smtClean="0"/>
-              <a:t>3/3/25</a:t>
+              <a:t>4/3/25</a:t>
             </a:fld>
             <a:endParaRPr lang="en-US"/>
           </a:p>
@@ -1153,7 +1153,7 @@
           <a:p>
             <a:fld id="{184C34C6-D93D-964F-98F1-8B05274CB5BF}" type="datetimeFigureOut">
               <a:rPr lang="en-US" smtClean="0"/>
-              <a:t>3/3/25</a:t>
+              <a:t>4/3/25</a:t>
             </a:fld>
             <a:endParaRPr lang="en-US"/>
           </a:p>
@@ -1374,7 +1374,7 @@
           <a:p>
             <a:fld id="{184C34C6-D93D-964F-98F1-8B05274CB5BF}" type="datetimeFigureOut">
               <a:rPr lang="en-US" smtClean="0"/>
-              <a:t>3/3/25</a:t>
+              <a:t>4/3/25</a:t>
             </a:fld>
             <a:endParaRPr lang="en-US" dirty="0"/>
           </a:p>
@@ -1698,7 +1698,7 @@
           <a:p>
             <a:fld id="{184C34C6-D93D-964F-98F1-8B05274CB5BF}" type="datetimeFigureOut">
               <a:rPr lang="en-US" smtClean="0"/>
-              <a:t>3/3/25</a:t>
+              <a:t>4/3/25</a:t>
             </a:fld>
             <a:endParaRPr lang="en-US" dirty="0"/>
           </a:p>
@@ -2215,7 +2215,7 @@
           <a:p>
             <a:fld id="{184C34C6-D93D-964F-98F1-8B05274CB5BF}" type="datetimeFigureOut">
               <a:rPr lang="en-US" smtClean="0"/>
-              <a:t>3/3/25</a:t>
+              <a:t>4/3/25</a:t>
             </a:fld>
             <a:endParaRPr lang="en-US" dirty="0"/>
           </a:p>
@@ -2554,10 +2554,10 @@
       </p:sp>
       <p:sp>
         <p:nvSpPr>
-          <p:cNvPr id="3" name="Content Placeholder 3">
+          <p:cNvPr id="2" name="Content Placeholder 3">
             <a:extLst>
               <a:ext uri="{FF2B5EF4-FFF2-40B4-BE49-F238E27FC236}">
-                <a16:creationId xmlns:a16="http://schemas.microsoft.com/office/drawing/2014/main" id="{308335A6-FEDB-3236-69EC-4D55F9E69E71}"/>
+                <a16:creationId xmlns:a16="http://schemas.microsoft.com/office/drawing/2014/main" id="{CE07EA18-F774-5352-DF7D-C871920DBEBB}"/>
               </a:ext>
             </a:extLst>
           </p:cNvPr>
@@ -2565,51 +2565,22 @@
             <a:spLocks noGrp="1"/>
           </p:cNvSpPr>
           <p:nvPr>
-            <p:ph sz="quarter" idx="13"/>
-          </p:nvPr>
-        </p:nvSpPr>
-        <p:spPr>
-          <a:xfrm>
-            <a:off x="1892948" y="1517569"/>
-            <a:ext cx="8406104" cy="5068887"/>
+            <p:ph type="chart" sz="quarter" idx="12"/>
+          </p:nvPr>
+        </p:nvSpPr>
+        <p:spPr>
+          <a:xfrm>
+            <a:off x="1894800" y="1807200"/>
+            <a:ext cx="8402400" cy="4284662"/>
           </a:xfrm>
         </p:spPr>
         <p:txBody>
           <a:bodyPr/>
           <a:lstStyle/>
           <a:p>
-            <a:pPr lvl="0"/>
             <a:r>
               <a:rPr lang="en-GB"/>
-              <a:t>Click to edit Master text styles</a:t>
-            </a:r>
-          </a:p>
-          <a:p>
-            <a:pPr lvl="1"/>
-            <a:r>
-              <a:rPr lang="en-GB"/>
-              <a:t>Second level</a:t>
-            </a:r>
-          </a:p>
-          <a:p>
-            <a:pPr lvl="2"/>
-            <a:r>
-              <a:rPr lang="en-GB"/>
-              <a:t>Third level</a:t>
-            </a:r>
-          </a:p>
-          <a:p>
-            <a:pPr lvl="3"/>
-            <a:r>
-              <a:rPr lang="en-GB"/>
-              <a:t>Fourth level</a:t>
-            </a:r>
-          </a:p>
-          <a:p>
-            <a:pPr lvl="4"/>
-            <a:r>
-              <a:rPr lang="en-GB"/>
-              <a:t>Fifth level</a:t>
+              <a:t>Click icon to add chart</a:t>
             </a:r>
             <a:endParaRPr lang="en-AU"/>
           </a:p>
@@ -2617,10 +2588,10 @@
       </p:sp>
       <p:sp>
         <p:nvSpPr>
-          <p:cNvPr id="48" name="Caption Placeholder 1">
+          <p:cNvPr id="4" name="Caption Placeholder 1">
             <a:extLst>
               <a:ext uri="{FF2B5EF4-FFF2-40B4-BE49-F238E27FC236}">
-                <a16:creationId xmlns:a16="http://schemas.microsoft.com/office/drawing/2014/main" id="{69F7CE92-E1D5-B5FE-FFCF-4017AEF4DBAA}"/>
+                <a16:creationId xmlns:a16="http://schemas.microsoft.com/office/drawing/2014/main" id="{532C8F0A-0D9B-4C4D-CC2B-EEF1FA341CC2}"/>
               </a:ext>
             </a:extLst>
           </p:cNvPr>
@@ -2633,21 +2604,18 @@
         </p:nvSpPr>
         <p:spPr>
           <a:xfrm>
-            <a:off x="371475" y="6609900"/>
-            <a:ext cx="10662320" cy="204762"/>
-          </a:xfrm>
-        </p:spPr>
-        <p:txBody>
-          <a:bodyPr anchor="b" anchorCtr="0">
-            <a:noAutofit/>
+            <a:off x="371475" y="6239781"/>
+            <a:ext cx="10662320" cy="455613"/>
+          </a:xfrm>
+        </p:spPr>
+        <p:txBody>
+          <a:bodyPr anchor="t">
+            <a:normAutofit/>
           </a:bodyPr>
           <a:lstStyle>
             <a:lvl1pPr marL="0" indent="0">
-              <a:lnSpc>
-                <a:spcPct val="100000"/>
-              </a:lnSpc>
               <a:spcBef>
-                <a:spcPts val="0"/>
+                <a:spcPts val="200"/>
               </a:spcBef>
               <a:buNone/>
               <a:defRPr sz="800"/>
@@ -2665,10 +2633,10 @@
       </p:sp>
       <p:sp>
         <p:nvSpPr>
-          <p:cNvPr id="46" name="Content Placeholder 2">
+          <p:cNvPr id="6" name="Content Placeholder 2">
             <a:extLst>
               <a:ext uri="{FF2B5EF4-FFF2-40B4-BE49-F238E27FC236}">
-                <a16:creationId xmlns:a16="http://schemas.microsoft.com/office/drawing/2014/main" id="{48F4585A-2D72-19E2-7B40-41FEB45DABA5}"/>
+                <a16:creationId xmlns:a16="http://schemas.microsoft.com/office/drawing/2014/main" id="{05794EEF-8416-F4A3-9441-5437A54F06C3}"/>
               </a:ext>
             </a:extLst>
           </p:cNvPr>
@@ -2681,8 +2649,8 @@
         </p:nvSpPr>
         <p:spPr>
           <a:xfrm>
-            <a:off x="378478" y="1192801"/>
-            <a:ext cx="11398531" cy="306710"/>
+            <a:off x="378478" y="1312069"/>
+            <a:ext cx="11398531" cy="335156"/>
           </a:xfrm>
         </p:spPr>
         <p:txBody>
@@ -2906,7 +2874,7 @@
           <a:p>
             <a:fld id="{184C34C6-D93D-964F-98F1-8B05274CB5BF}" type="datetimeFigureOut">
               <a:rPr lang="en-AU" noProof="0" smtClean="0"/>
-              <a:t>3/3/2025</a:t>
+              <a:t>3/4/2025</a:t>
             </a:fld>
             <a:endParaRPr lang="en-AU" noProof="0"/>
           </a:p>

--- a/inst/extdata/template_fullslide_narrow.pptx
+++ b/inst/extdata/template_fullslide_narrow.pptx
@@ -203,7 +203,7 @@
           <a:p>
             <a:fld id="{E6375376-077A-8F42-9E71-155E70FB596E}" type="datetimeFigureOut">
               <a:rPr lang="en-US" smtClean="0"/>
-              <a:t>4/3/25</a:t>
+              <a:t>12/3/25</a:t>
             </a:fld>
             <a:endParaRPr lang="en-US"/>
           </a:p>
@@ -1153,7 +1153,7 @@
           <a:p>
             <a:fld id="{184C34C6-D93D-964F-98F1-8B05274CB5BF}" type="datetimeFigureOut">
               <a:rPr lang="en-US" smtClean="0"/>
-              <a:t>4/3/25</a:t>
+              <a:t>12/3/25</a:t>
             </a:fld>
             <a:endParaRPr lang="en-US"/>
           </a:p>
@@ -1374,7 +1374,7 @@
           <a:p>
             <a:fld id="{184C34C6-D93D-964F-98F1-8B05274CB5BF}" type="datetimeFigureOut">
               <a:rPr lang="en-US" smtClean="0"/>
-              <a:t>4/3/25</a:t>
+              <a:t>12/3/25</a:t>
             </a:fld>
             <a:endParaRPr lang="en-US" dirty="0"/>
           </a:p>
@@ -1698,7 +1698,7 @@
           <a:p>
             <a:fld id="{184C34C6-D93D-964F-98F1-8B05274CB5BF}" type="datetimeFigureOut">
               <a:rPr lang="en-US" smtClean="0"/>
-              <a:t>4/3/25</a:t>
+              <a:t>12/3/25</a:t>
             </a:fld>
             <a:endParaRPr lang="en-US" dirty="0"/>
           </a:p>
@@ -2215,7 +2215,7 @@
           <a:p>
             <a:fld id="{184C34C6-D93D-964F-98F1-8B05274CB5BF}" type="datetimeFigureOut">
               <a:rPr lang="en-US" smtClean="0"/>
-              <a:t>4/3/25</a:t>
+              <a:t>12/3/25</a:t>
             </a:fld>
             <a:endParaRPr lang="en-US" dirty="0"/>
           </a:p>
@@ -2571,7 +2571,7 @@
         <p:spPr>
           <a:xfrm>
             <a:off x="1894800" y="1807200"/>
-            <a:ext cx="8402400" cy="4284662"/>
+            <a:ext cx="8352000" cy="4284662"/>
           </a:xfrm>
         </p:spPr>
         <p:txBody>
@@ -2579,10 +2579,10 @@
           <a:lstStyle/>
           <a:p>
             <a:r>
-              <a:rPr lang="en-GB"/>
+              <a:rPr lang="en-GB" dirty="0"/>
               <a:t>Click icon to add chart</a:t>
             </a:r>
-            <a:endParaRPr lang="en-AU"/>
+            <a:endParaRPr lang="en-AU" dirty="0"/>
           </a:p>
         </p:txBody>
       </p:sp>
@@ -2874,7 +2874,7 @@
           <a:p>
             <a:fld id="{184C34C6-D93D-964F-98F1-8B05274CB5BF}" type="datetimeFigureOut">
               <a:rPr lang="en-AU" noProof="0" smtClean="0"/>
-              <a:t>3/4/2025</a:t>
+              <a:t>3/12/2025</a:t>
             </a:fld>
             <a:endParaRPr lang="en-AU" noProof="0"/>
           </a:p>
